--- a/docs/demo_z_analysis.pptx
+++ b/docs/demo_z_analysis.pptx
@@ -4978,7 +4978,7 @@
         <p:spPr>
           <a:xfrm>
             <a:off x="4672523" y="1511590"/>
-            <a:ext cx="4064001" cy="3899147"/>
+            <a:ext cx="4064000" cy="3899147"/>
           </a:xfrm>
           <a:prstGeom prst="rect">
             <a:avLst/>
@@ -4993,8 +4993,8 @@
         </p:nvSpPr>
         <p:spPr>
           <a:xfrm>
-            <a:off x="6321778" y="4402667"/>
-            <a:ext cx="959555" cy="921926"/>
+            <a:off x="6074228" y="3715926"/>
+            <a:ext cx="1260592" cy="1081853"/>
           </a:xfrm>
           <a:prstGeom prst="ellipse">
             <a:avLst/>

--- a/docs/demo_z_analysis.pptx
+++ b/docs/demo_z_analysis.pptx
@@ -205,7 +205,7 @@
           <a:p>
             <a:fld id="{27A2E9E9-B671-2F4F-B797-855BB84ECFF8}" type="datetimeFigureOut">
               <a:rPr lang="en-US" smtClean="0"/>
-              <a:t>2/5/14</a:t>
+              <a:t>3/6/14</a:t>
             </a:fld>
             <a:endParaRPr lang="en-US"/>
           </a:p>
@@ -371,7 +371,7 @@
           <a:p>
             <a:fld id="{E90EC6CC-DC17-2241-82F7-760C16E2A2DF}" type="datetimeFigureOut">
               <a:rPr lang="en-US" smtClean="0"/>
-              <a:t>2/5/14</a:t>
+              <a:t>3/6/14</a:t>
             </a:fld>
             <a:endParaRPr lang="en-US"/>
           </a:p>
@@ -1408,7 +1408,7 @@
           <a:p>
             <a:fld id="{7024989B-FB4D-4846-B282-0FA2E3633463}" type="datetime4">
               <a:rPr lang="en-US" smtClean="0"/>
-              <a:t>February 5, 2014</a:t>
+              <a:t>March 6, 2014</a:t>
             </a:fld>
             <a:endParaRPr lang="en-US"/>
           </a:p>
@@ -1577,7 +1577,7 @@
           <a:p>
             <a:fld id="{D0404E05-7E26-0C45-BF89-262FE060C962}" type="datetime4">
               <a:rPr lang="en-US" smtClean="0"/>
-              <a:t>February 5, 2014</a:t>
+              <a:t>March 6, 2014</a:t>
             </a:fld>
             <a:endParaRPr lang="en-US"/>
           </a:p>
@@ -1756,7 +1756,7 @@
           <a:p>
             <a:fld id="{9F1447B6-533A-9144-8ABD-95E45ABA66BB}" type="datetime4">
               <a:rPr lang="en-US" smtClean="0"/>
-              <a:t>February 5, 2014</a:t>
+              <a:t>March 6, 2014</a:t>
             </a:fld>
             <a:endParaRPr lang="en-US"/>
           </a:p>
@@ -1925,7 +1925,7 @@
           <a:p>
             <a:fld id="{D9E359DB-AFD8-9740-913C-F0E39F0E6499}" type="datetime4">
               <a:rPr lang="en-US" smtClean="0"/>
-              <a:t>February 5, 2014</a:t>
+              <a:t>March 6, 2014</a:t>
             </a:fld>
             <a:endParaRPr lang="en-US"/>
           </a:p>
@@ -2170,7 +2170,7 @@
           <a:p>
             <a:fld id="{13ADA91D-2038-4144-98C1-45B941B42A42}" type="datetime4">
               <a:rPr lang="en-US" smtClean="0"/>
-              <a:t>February 5, 2014</a:t>
+              <a:t>March 6, 2014</a:t>
             </a:fld>
             <a:endParaRPr lang="en-US"/>
           </a:p>
@@ -2457,7 +2457,7 @@
           <a:p>
             <a:fld id="{3C057AA6-CB73-A74D-907B-CA4B233112B3}" type="datetime4">
               <a:rPr lang="en-US" smtClean="0"/>
-              <a:t>February 5, 2014</a:t>
+              <a:t>March 6, 2014</a:t>
             </a:fld>
             <a:endParaRPr lang="en-US"/>
           </a:p>
@@ -2744,7 +2744,7 @@
           <a:p>
             <a:fld id="{9F2C73D0-00AD-0C4D-935B-2D7739B1C683}" type="datetime4">
               <a:rPr lang="en-US" smtClean="0"/>
-              <a:t>February 5, 2014</a:t>
+              <a:t>March 6, 2014</a:t>
             </a:fld>
             <a:endParaRPr lang="en-US"/>
           </a:p>
@@ -3250,7 +3250,7 @@
           <a:p>
             <a:fld id="{84A3D0AC-8994-7341-B7DC-F29F80EC168A}" type="datetime4">
               <a:rPr lang="en-US" smtClean="0"/>
-              <a:t>February 5, 2014</a:t>
+              <a:t>March 6, 2014</a:t>
             </a:fld>
             <a:endParaRPr lang="en-US"/>
           </a:p>
@@ -3367,7 +3367,7 @@
           <a:p>
             <a:fld id="{73A96391-EC0D-584C-947A-9CF2AA59DCF2}" type="datetime4">
               <a:rPr lang="en-US" smtClean="0"/>
-              <a:t>February 5, 2014</a:t>
+              <a:t>March 6, 2014</a:t>
             </a:fld>
             <a:endParaRPr lang="en-US"/>
           </a:p>
@@ -3461,7 +3461,7 @@
           <a:p>
             <a:fld id="{4F332099-4D3E-F841-9C6B-A66D4B8D153B}" type="datetime4">
               <a:rPr lang="en-US" smtClean="0"/>
-              <a:t>February 5, 2014</a:t>
+              <a:t>March 6, 2014</a:t>
             </a:fld>
             <a:endParaRPr lang="en-US"/>
           </a:p>
@@ -3640,7 +3640,7 @@
           <a:p>
             <a:fld id="{62E8B381-6FEC-A049-86C7-0100CE716CB3}" type="datetime4">
               <a:rPr lang="en-US" smtClean="0"/>
-              <a:t>February 5, 2014</a:t>
+              <a:t>March 6, 2014</a:t>
             </a:fld>
             <a:endParaRPr lang="en-US"/>
           </a:p>
@@ -3965,7 +3965,7 @@
           <a:p>
             <a:fld id="{55A0453B-CE53-0C46-A612-B974FBCC3FAD}" type="datetime4">
               <a:rPr lang="en-US" smtClean="0"/>
-              <a:t>February 5, 2014</a:t>
+              <a:t>March 6, 2014</a:t>
             </a:fld>
             <a:endParaRPr lang="en-US"/>
           </a:p>
@@ -4447,7 +4447,7 @@
           <a:p>
             <a:fld id="{143EF62A-C256-804F-A422-32A81BE30118}" type="datetime4">
               <a:rPr lang="en-US" smtClean="0"/>
-              <a:t>February 5, 2014</a:t>
+              <a:t>March 6, 2014</a:t>
             </a:fld>
             <a:endParaRPr lang="en-US" dirty="0"/>
           </a:p>
@@ -4506,7 +4506,7 @@
         <p:spPr>
           <a:xfrm>
             <a:off x="993115" y="1429902"/>
-            <a:ext cx="3998146" cy="3835963"/>
+            <a:ext cx="3998145" cy="3835963"/>
           </a:xfrm>
           <a:prstGeom prst="rect">
             <a:avLst/>
@@ -4589,7 +4589,7 @@
           <a:p>
             <a:fld id="{D9E359DB-AFD8-9740-913C-F0E39F0E6499}" type="datetime4">
               <a:rPr lang="en-US" smtClean="0"/>
-              <a:t>February 5, 2014</a:t>
+              <a:t>March 6, 2014</a:t>
             </a:fld>
             <a:endParaRPr lang="en-US"/>
           </a:p>
@@ -4694,7 +4694,7 @@
         <p:spPr>
           <a:xfrm>
             <a:off x="5834476" y="560550"/>
-            <a:ext cx="2686192" cy="2577228"/>
+            <a:ext cx="2686191" cy="2577228"/>
           </a:xfrm>
           <a:prstGeom prst="rect">
             <a:avLst/>
@@ -4724,7 +4724,7 @@
         <p:spPr>
           <a:xfrm>
             <a:off x="5834476" y="3137779"/>
-            <a:ext cx="2686192" cy="2577228"/>
+            <a:ext cx="2686191" cy="2577228"/>
           </a:xfrm>
           <a:prstGeom prst="rect">
             <a:avLst/>
@@ -4903,7 +4903,7 @@
           <a:p>
             <a:fld id="{D9E359DB-AFD8-9740-913C-F0E39F0E6499}" type="datetime4">
               <a:rPr lang="en-US" smtClean="0"/>
-              <a:t>February 5, 2014</a:t>
+              <a:t>March 6, 2014</a:t>
             </a:fld>
             <a:endParaRPr lang="en-US"/>
           </a:p>
@@ -4978,7 +4978,7 @@
         <p:spPr>
           <a:xfrm>
             <a:off x="4672523" y="1511590"/>
-            <a:ext cx="4064000" cy="3899147"/>
+            <a:ext cx="4064000" cy="3899146"/>
           </a:xfrm>
           <a:prstGeom prst="rect">
             <a:avLst/>
@@ -5267,7 +5267,7 @@
           <a:p>
             <a:fld id="{D9E359DB-AFD8-9740-913C-F0E39F0E6499}" type="datetime4">
               <a:rPr lang="en-US" smtClean="0"/>
-              <a:t>February 5, 2014</a:t>
+              <a:t>March 6, 2014</a:t>
             </a:fld>
             <a:endParaRPr lang="en-US"/>
           </a:p>
@@ -5618,7 +5618,7 @@
           <a:p>
             <a:fld id="{D9E359DB-AFD8-9740-913C-F0E39F0E6499}" type="datetime4">
               <a:rPr lang="en-US" smtClean="0"/>
-              <a:t>February 5, 2014</a:t>
+              <a:t>March 6, 2014</a:t>
             </a:fld>
             <a:endParaRPr lang="en-US"/>
           </a:p>
@@ -5993,7 +5993,7 @@
           <a:p>
             <a:fld id="{D9E359DB-AFD8-9740-913C-F0E39F0E6499}" type="datetime4">
               <a:rPr lang="en-US" smtClean="0"/>
-              <a:t>February 5, 2014</a:t>
+              <a:t>March 6, 2014</a:t>
             </a:fld>
             <a:endParaRPr lang="en-US"/>
           </a:p>
@@ -6170,7 +6170,7 @@
           <a:p>
             <a:fld id="{D9E359DB-AFD8-9740-913C-F0E39F0E6499}" type="datetime4">
               <a:rPr lang="en-US" smtClean="0"/>
-              <a:t>February 5, 2014</a:t>
+              <a:t>March 6, 2014</a:t>
             </a:fld>
             <a:endParaRPr lang="en-US"/>
           </a:p>
@@ -6666,7 +6666,7 @@
           <a:p>
             <a:fld id="{D9E359DB-AFD8-9740-913C-F0E39F0E6499}" type="datetime4">
               <a:rPr lang="en-US" smtClean="0"/>
-              <a:t>February 5, 2014</a:t>
+              <a:t>March 6, 2014</a:t>
             </a:fld>
             <a:endParaRPr lang="en-US"/>
           </a:p>
@@ -6898,7 +6898,7 @@
           <a:p>
             <a:fld id="{D9E359DB-AFD8-9740-913C-F0E39F0E6499}" type="datetime4">
               <a:rPr lang="en-US" smtClean="0"/>
-              <a:t>February 5, 2014</a:t>
+              <a:t>March 6, 2014</a:t>
             </a:fld>
             <a:endParaRPr lang="en-US"/>
           </a:p>
@@ -7200,7 +7200,7 @@
           <a:p>
             <a:fld id="{D9E359DB-AFD8-9740-913C-F0E39F0E6499}" type="datetime4">
               <a:rPr lang="en-US" smtClean="0"/>
-              <a:t>February 5, 2014</a:t>
+              <a:t>March 6, 2014</a:t>
             </a:fld>
             <a:endParaRPr lang="en-US"/>
           </a:p>
@@ -7566,7 +7566,7 @@
           <a:p>
             <a:fld id="{D9E359DB-AFD8-9740-913C-F0E39F0E6499}" type="datetime4">
               <a:rPr lang="en-US" smtClean="0"/>
-              <a:t>February 5, 2014</a:t>
+              <a:t>March 6, 2014</a:t>
             </a:fld>
             <a:endParaRPr lang="en-US"/>
           </a:p>
